--- a/1_lab/Project_3/Bitcoin Prediction.pptx
+++ b/1_lab/Project_3/Bitcoin Prediction.pptx
@@ -4284,7 +4284,7 @@
         </p:nvSpPr>
         <p:spPr>
           <a:xfrm>
-            <a:off x="457200" y="4143380"/>
+            <a:off x="457200" y="4498306"/>
             <a:ext cx="8229600" cy="1859652"/>
           </a:xfrm>
         </p:spPr>
@@ -4313,8 +4313,8 @@
           <p:nvPr/>
         </p:nvGraphicFramePr>
         <p:xfrm>
-          <a:off x="714348" y="1714488"/>
-          <a:ext cx="6286544" cy="2225040"/>
+          <a:off x="1285852" y="1714488"/>
+          <a:ext cx="6286544" cy="2595880"/>
         </p:xfrm>
         <a:graphic>
           <a:graphicData uri="http://schemas.openxmlformats.org/drawingml/2006/table">
@@ -4333,6 +4333,7 @@
                     <a:bodyPr/>
                     <a:lstStyle/>
                     <a:p>
+                      <a:pPr algn="ctr"/>
                       <a:r>
                         <a:rPr lang="en-US" dirty="0" smtClean="0"/>
                         <a:t>Model</a:t>
@@ -4347,6 +4348,7 @@
                     <a:bodyPr/>
                     <a:lstStyle/>
                     <a:p>
+                      <a:pPr algn="ctr"/>
                       <a:r>
                         <a:rPr lang="en-US" dirty="0" smtClean="0"/>
                         <a:t>Accuracy</a:t>
@@ -4365,6 +4367,11 @@
                     <a:bodyPr/>
                     <a:lstStyle/>
                     <a:p>
+                      <a:pPr algn="ctr"/>
+                      <a:r>
+                        <a:rPr lang="en-US" dirty="0" smtClean="0"/>
+                        <a:t>Precision</a:t>
+                      </a:r>
                       <a:endParaRPr lang="en-US" dirty="0"/>
                     </a:p>
                   </a:txBody>
@@ -4406,6 +4413,11 @@
                     <a:bodyPr/>
                     <a:lstStyle/>
                     <a:p>
+                      <a:pPr algn="ctr"/>
+                      <a:r>
+                        <a:rPr lang="en-US" dirty="0" smtClean="0"/>
+                        <a:t>0.827</a:t>
+                      </a:r>
                       <a:endParaRPr lang="en-US" dirty="0"/>
                     </a:p>
                   </a:txBody>
@@ -4447,6 +4459,11 @@
                     <a:bodyPr/>
                     <a:lstStyle/>
                     <a:p>
+                      <a:pPr algn="ctr"/>
+                      <a:r>
+                        <a:rPr lang="en-US" dirty="0" smtClean="0"/>
+                        <a:t>0.631</a:t>
+                      </a:r>
                       <a:endParaRPr lang="en-US" dirty="0"/>
                     </a:p>
                   </a:txBody>
@@ -4488,6 +4505,11 @@
                     <a:bodyPr/>
                     <a:lstStyle/>
                     <a:p>
+                      <a:pPr algn="ctr"/>
+                      <a:r>
+                        <a:rPr lang="en-US" dirty="0" smtClean="0"/>
+                        <a:t>0.75</a:t>
+                      </a:r>
                       <a:endParaRPr lang="en-US" dirty="0"/>
                     </a:p>
                   </a:txBody>
@@ -4502,6 +4524,52 @@
                     <a:p>
                       <a:r>
                         <a:rPr lang="en-US" dirty="0" smtClean="0"/>
+                        <a:t>SVM</a:t>
+                      </a:r>
+                      <a:endParaRPr lang="en-US" dirty="0"/>
+                    </a:p>
+                  </a:txBody>
+                  <a:tcPr/>
+                </a:tc>
+                <a:tc>
+                  <a:txBody>
+                    <a:bodyPr/>
+                    <a:lstStyle/>
+                    <a:p>
+                      <a:pPr algn="ctr"/>
+                      <a:r>
+                        <a:rPr lang="en-US" dirty="0" smtClean="0"/>
+                        <a:t>0.591</a:t>
+                      </a:r>
+                      <a:endParaRPr lang="en-US" dirty="0"/>
+                    </a:p>
+                  </a:txBody>
+                  <a:tcPr/>
+                </a:tc>
+                <a:tc>
+                  <a:txBody>
+                    <a:bodyPr/>
+                    <a:lstStyle/>
+                    <a:p>
+                      <a:pPr algn="ctr"/>
+                      <a:r>
+                        <a:rPr lang="en-US" dirty="0" smtClean="0"/>
+                        <a:t>0.545</a:t>
+                      </a:r>
+                      <a:endParaRPr lang="en-US" dirty="0"/>
+                    </a:p>
+                  </a:txBody>
+                  <a:tcPr/>
+                </a:tc>
+              </a:tr>
+              <a:tr h="370840">
+                <a:tc>
+                  <a:txBody>
+                    <a:bodyPr/>
+                    <a:lstStyle/>
+                    <a:p>
+                      <a:r>
+                        <a:rPr lang="en-US" dirty="0" smtClean="0"/>
                         <a:t>Random Forest</a:t>
                       </a:r>
                       <a:endParaRPr lang="en-US" dirty="0"/>
@@ -4529,6 +4597,11 @@
                     <a:bodyPr/>
                     <a:lstStyle/>
                     <a:p>
+                      <a:pPr algn="ctr"/>
+                      <a:r>
+                        <a:rPr lang="en-US" dirty="0" smtClean="0"/>
+                        <a:t>0.823</a:t>
+                      </a:r>
                       <a:endParaRPr lang="en-US" dirty="0"/>
                     </a:p>
                   </a:txBody>
@@ -4570,6 +4643,11 @@
                     <a:bodyPr/>
                     <a:lstStyle/>
                     <a:p>
+                      <a:pPr algn="ctr"/>
+                      <a:r>
+                        <a:rPr lang="en-US" dirty="0" smtClean="0"/>
+                        <a:t>0.777</a:t>
+                      </a:r>
                       <a:endParaRPr lang="en-US" dirty="0"/>
                     </a:p>
                   </a:txBody>
